--- a/训练中心创客交叉融合空间建设/admin/新大楼规划建设/创客空间使用月历.pptx
+++ b/训练中心创客交叉融合空间建设/admin/新大楼规划建设/创客空间使用月历.pptx
@@ -7062,6 +7062,9 @@
           <a:p>
             <a:r>
               <a:rPr kumimoji="1" lang="en-US" altLang="zh-CN" sz="1100" dirty="0" smtClean="0">
+                <a:solidFill>
+                  <a:srgbClr val="000000"/>
+                </a:solidFill>
                 <a:latin typeface="黑体"/>
                 <a:ea typeface="黑体"/>
                 <a:cs typeface="黑体"/>
@@ -7070,11 +7073,392 @@
             </a:r>
             <a:r>
               <a:rPr kumimoji="1" lang="zh-CN" altLang="en-US" sz="1100" dirty="0" smtClean="0">
+                <a:solidFill>
+                  <a:srgbClr val="000000"/>
+                </a:solidFill>
                 <a:latin typeface="黑体"/>
                 <a:ea typeface="黑体"/>
                 <a:cs typeface="黑体"/>
               </a:rPr>
               <a:t>例会</a:t>
+            </a:r>
+            <a:endParaRPr kumimoji="1" lang="en-US" altLang="zh-CN" sz="1100" dirty="0" smtClean="0">
+              <a:solidFill>
+                <a:srgbClr val="000000"/>
+              </a:solidFill>
+              <a:latin typeface="黑体"/>
+              <a:ea typeface="黑体"/>
+              <a:cs typeface="黑体"/>
+            </a:endParaRPr>
+          </a:p>
+          <a:p>
+            <a:r>
+              <a:rPr kumimoji="1" lang="zh-CN" altLang="zh-CN" sz="1100" dirty="0" smtClean="0">
+                <a:latin typeface="黑体"/>
+                <a:ea typeface="黑体"/>
+                <a:cs typeface="黑体"/>
+              </a:rPr>
+              <a:t>1</a:t>
+            </a:r>
+            <a:r>
+              <a:rPr kumimoji="1" lang="en-US" altLang="zh-CN" sz="1100" dirty="0" smtClean="0">
+                <a:latin typeface="黑体"/>
+                <a:ea typeface="黑体"/>
+                <a:cs typeface="黑体"/>
+              </a:rPr>
+              <a:t>9:30-22:00</a:t>
+            </a:r>
+            <a:endParaRPr kumimoji="1" lang="zh-CN" altLang="en-US" sz="1100" dirty="0">
+              <a:latin typeface="黑体"/>
+              <a:ea typeface="黑体"/>
+              <a:cs typeface="黑体"/>
+            </a:endParaRPr>
+          </a:p>
+        </p:txBody>
+      </p:sp>
+      <p:sp>
+        <p:nvSpPr>
+          <p:cNvPr id="6" name="矩形 5"/>
+          <p:cNvSpPr/>
+          <p:nvPr/>
+        </p:nvSpPr>
+        <p:spPr>
+          <a:xfrm>
+            <a:off x="5874296" y="1647744"/>
+            <a:ext cx="1153038" cy="431999"/>
+          </a:xfrm>
+          <a:prstGeom prst="rect">
+            <a:avLst/>
+          </a:prstGeom>
+          <a:solidFill>
+            <a:schemeClr val="accent3">
+              <a:lumMod val="60000"/>
+              <a:lumOff val="40000"/>
+            </a:schemeClr>
+          </a:solidFill>
+          <a:ln>
+            <a:noFill/>
+          </a:ln>
+          <a:effectLst/>
+        </p:spPr>
+        <p:style>
+          <a:lnRef idx="1">
+            <a:schemeClr val="accent1"/>
+          </a:lnRef>
+          <a:fillRef idx="3">
+            <a:schemeClr val="accent1"/>
+          </a:fillRef>
+          <a:effectRef idx="2">
+            <a:schemeClr val="accent1"/>
+          </a:effectRef>
+          <a:fontRef idx="minor">
+            <a:schemeClr val="lt1"/>
+          </a:fontRef>
+        </p:style>
+        <p:txBody>
+          <a:bodyPr lIns="36000" tIns="0" rIns="36000" bIns="0" rtlCol="0" anchor="ctr"/>
+          <a:lstStyle/>
+          <a:p>
+            <a:r>
+              <a:rPr kumimoji="1" lang="zh-CN" altLang="en-US" sz="1100" dirty="0" smtClean="0">
+                <a:solidFill>
+                  <a:srgbClr val="000000"/>
+                </a:solidFill>
+                <a:latin typeface="黑体"/>
+                <a:ea typeface="黑体"/>
+                <a:cs typeface="黑体"/>
+              </a:rPr>
+              <a:t>创客社团活动</a:t>
+            </a:r>
+            <a:endParaRPr kumimoji="1" lang="en-US" altLang="zh-CN" sz="1100" dirty="0" smtClean="0">
+              <a:solidFill>
+                <a:srgbClr val="000000"/>
+              </a:solidFill>
+              <a:latin typeface="黑体"/>
+              <a:ea typeface="黑体"/>
+              <a:cs typeface="黑体"/>
+            </a:endParaRPr>
+          </a:p>
+          <a:p>
+            <a:r>
+              <a:rPr kumimoji="1" lang="zh-CN" altLang="zh-CN" sz="1100" dirty="0" smtClean="0">
+                <a:latin typeface="黑体"/>
+                <a:ea typeface="黑体"/>
+                <a:cs typeface="黑体"/>
+              </a:rPr>
+              <a:t>1</a:t>
+            </a:r>
+            <a:r>
+              <a:rPr kumimoji="1" lang="en-US" altLang="zh-CN" sz="1100" dirty="0" smtClean="0">
+                <a:latin typeface="黑体"/>
+                <a:ea typeface="黑体"/>
+                <a:cs typeface="黑体"/>
+              </a:rPr>
+              <a:t>9:30-22:00</a:t>
+            </a:r>
+            <a:endParaRPr kumimoji="1" lang="zh-CN" altLang="en-US" sz="1100" dirty="0">
+              <a:latin typeface="黑体"/>
+              <a:ea typeface="黑体"/>
+              <a:cs typeface="黑体"/>
+            </a:endParaRPr>
+          </a:p>
+        </p:txBody>
+      </p:sp>
+      <p:sp>
+        <p:nvSpPr>
+          <p:cNvPr id="7" name="矩形 6"/>
+          <p:cNvSpPr/>
+          <p:nvPr/>
+        </p:nvSpPr>
+        <p:spPr>
+          <a:xfrm>
+            <a:off x="5874296" y="3184770"/>
+            <a:ext cx="1153038" cy="431999"/>
+          </a:xfrm>
+          <a:prstGeom prst="rect">
+            <a:avLst/>
+          </a:prstGeom>
+          <a:solidFill>
+            <a:schemeClr val="accent3">
+              <a:lumMod val="60000"/>
+              <a:lumOff val="40000"/>
+            </a:schemeClr>
+          </a:solidFill>
+          <a:ln>
+            <a:noFill/>
+          </a:ln>
+          <a:effectLst/>
+        </p:spPr>
+        <p:style>
+          <a:lnRef idx="1">
+            <a:schemeClr val="accent1"/>
+          </a:lnRef>
+          <a:fillRef idx="3">
+            <a:schemeClr val="accent1"/>
+          </a:fillRef>
+          <a:effectRef idx="2">
+            <a:schemeClr val="accent1"/>
+          </a:effectRef>
+          <a:fontRef idx="minor">
+            <a:schemeClr val="lt1"/>
+          </a:fontRef>
+        </p:style>
+        <p:txBody>
+          <a:bodyPr lIns="36000" tIns="0" rIns="36000" bIns="0" rtlCol="0" anchor="ctr"/>
+          <a:lstStyle/>
+          <a:p>
+            <a:r>
+              <a:rPr kumimoji="1" lang="zh-CN" altLang="en-US" sz="1100" dirty="0" smtClean="0">
+                <a:solidFill>
+                  <a:srgbClr val="000000"/>
+                </a:solidFill>
+                <a:latin typeface="黑体"/>
+                <a:ea typeface="黑体"/>
+                <a:cs typeface="黑体"/>
+              </a:rPr>
+              <a:t>创客社团活动</a:t>
+            </a:r>
+            <a:endParaRPr kumimoji="1" lang="en-US" altLang="zh-CN" sz="1100" dirty="0" smtClean="0">
+              <a:solidFill>
+                <a:srgbClr val="000000"/>
+              </a:solidFill>
+              <a:latin typeface="黑体"/>
+              <a:ea typeface="黑体"/>
+              <a:cs typeface="黑体"/>
+            </a:endParaRPr>
+          </a:p>
+          <a:p>
+            <a:r>
+              <a:rPr kumimoji="1" lang="zh-CN" altLang="zh-CN" sz="1100" dirty="0" smtClean="0">
+                <a:latin typeface="黑体"/>
+                <a:ea typeface="黑体"/>
+                <a:cs typeface="黑体"/>
+              </a:rPr>
+              <a:t>1</a:t>
+            </a:r>
+            <a:r>
+              <a:rPr kumimoji="1" lang="en-US" altLang="zh-CN" sz="1100" dirty="0" smtClean="0">
+                <a:latin typeface="黑体"/>
+                <a:ea typeface="黑体"/>
+                <a:cs typeface="黑体"/>
+              </a:rPr>
+              <a:t>9:30-22:00</a:t>
+            </a:r>
+            <a:endParaRPr kumimoji="1" lang="zh-CN" altLang="en-US" sz="1100" dirty="0">
+              <a:latin typeface="黑体"/>
+              <a:ea typeface="黑体"/>
+              <a:cs typeface="黑体"/>
+            </a:endParaRPr>
+          </a:p>
+        </p:txBody>
+      </p:sp>
+      <p:sp>
+        <p:nvSpPr>
+          <p:cNvPr id="8" name="矩形 7"/>
+          <p:cNvSpPr/>
+          <p:nvPr/>
+        </p:nvSpPr>
+        <p:spPr>
+          <a:xfrm>
+            <a:off x="5874296" y="4702257"/>
+            <a:ext cx="1153038" cy="431999"/>
+          </a:xfrm>
+          <a:prstGeom prst="rect">
+            <a:avLst/>
+          </a:prstGeom>
+          <a:solidFill>
+            <a:schemeClr val="accent3">
+              <a:lumMod val="60000"/>
+              <a:lumOff val="40000"/>
+            </a:schemeClr>
+          </a:solidFill>
+          <a:ln>
+            <a:noFill/>
+          </a:ln>
+          <a:effectLst/>
+        </p:spPr>
+        <p:style>
+          <a:lnRef idx="1">
+            <a:schemeClr val="accent1"/>
+          </a:lnRef>
+          <a:fillRef idx="3">
+            <a:schemeClr val="accent1"/>
+          </a:fillRef>
+          <a:effectRef idx="2">
+            <a:schemeClr val="accent1"/>
+          </a:effectRef>
+          <a:fontRef idx="minor">
+            <a:schemeClr val="lt1"/>
+          </a:fontRef>
+        </p:style>
+        <p:txBody>
+          <a:bodyPr lIns="36000" tIns="0" rIns="36000" bIns="0" rtlCol="0" anchor="ctr"/>
+          <a:lstStyle/>
+          <a:p>
+            <a:r>
+              <a:rPr kumimoji="1" lang="zh-CN" altLang="en-US" sz="1100" dirty="0" smtClean="0">
+                <a:solidFill>
+                  <a:srgbClr val="000000"/>
+                </a:solidFill>
+                <a:latin typeface="黑体"/>
+                <a:ea typeface="黑体"/>
+                <a:cs typeface="黑体"/>
+              </a:rPr>
+              <a:t>创客社团活动</a:t>
+            </a:r>
+            <a:endParaRPr kumimoji="1" lang="en-US" altLang="zh-CN" sz="1100" dirty="0" smtClean="0">
+              <a:solidFill>
+                <a:srgbClr val="000000"/>
+              </a:solidFill>
+              <a:latin typeface="黑体"/>
+              <a:ea typeface="黑体"/>
+              <a:cs typeface="黑体"/>
+            </a:endParaRPr>
+          </a:p>
+          <a:p>
+            <a:r>
+              <a:rPr kumimoji="1" lang="zh-CN" altLang="zh-CN" sz="1100" dirty="0" smtClean="0">
+                <a:latin typeface="黑体"/>
+                <a:ea typeface="黑体"/>
+                <a:cs typeface="黑体"/>
+              </a:rPr>
+              <a:t>1</a:t>
+            </a:r>
+            <a:r>
+              <a:rPr kumimoji="1" lang="en-US" altLang="zh-CN" sz="1100" dirty="0" smtClean="0">
+                <a:latin typeface="黑体"/>
+                <a:ea typeface="黑体"/>
+                <a:cs typeface="黑体"/>
+              </a:rPr>
+              <a:t>9:30-22:00</a:t>
+            </a:r>
+            <a:endParaRPr kumimoji="1" lang="zh-CN" altLang="en-US" sz="1100" dirty="0">
+              <a:latin typeface="黑体"/>
+              <a:ea typeface="黑体"/>
+              <a:cs typeface="黑体"/>
+            </a:endParaRPr>
+          </a:p>
+        </p:txBody>
+      </p:sp>
+      <p:sp>
+        <p:nvSpPr>
+          <p:cNvPr id="9" name="矩形 8"/>
+          <p:cNvSpPr/>
+          <p:nvPr/>
+        </p:nvSpPr>
+        <p:spPr>
+          <a:xfrm>
+            <a:off x="5874296" y="6232770"/>
+            <a:ext cx="1153038" cy="431999"/>
+          </a:xfrm>
+          <a:prstGeom prst="rect">
+            <a:avLst/>
+          </a:prstGeom>
+          <a:solidFill>
+            <a:schemeClr val="accent3">
+              <a:lumMod val="60000"/>
+              <a:lumOff val="40000"/>
+            </a:schemeClr>
+          </a:solidFill>
+          <a:ln>
+            <a:noFill/>
+          </a:ln>
+          <a:effectLst/>
+        </p:spPr>
+        <p:style>
+          <a:lnRef idx="1">
+            <a:schemeClr val="accent1"/>
+          </a:lnRef>
+          <a:fillRef idx="3">
+            <a:schemeClr val="accent1"/>
+          </a:fillRef>
+          <a:effectRef idx="2">
+            <a:schemeClr val="accent1"/>
+          </a:effectRef>
+          <a:fontRef idx="minor">
+            <a:schemeClr val="lt1"/>
+          </a:fontRef>
+        </p:style>
+        <p:txBody>
+          <a:bodyPr lIns="36000" tIns="0" rIns="36000" bIns="0" rtlCol="0" anchor="ctr"/>
+          <a:lstStyle/>
+          <a:p>
+            <a:r>
+              <a:rPr kumimoji="1" lang="zh-CN" altLang="en-US" sz="1100" dirty="0" smtClean="0">
+                <a:solidFill>
+                  <a:srgbClr val="000000"/>
+                </a:solidFill>
+                <a:latin typeface="黑体"/>
+                <a:ea typeface="黑体"/>
+                <a:cs typeface="黑体"/>
+              </a:rPr>
+              <a:t>创客社团活动</a:t>
+            </a:r>
+            <a:endParaRPr kumimoji="1" lang="en-US" altLang="zh-CN" sz="1100" dirty="0" smtClean="0">
+              <a:solidFill>
+                <a:srgbClr val="000000"/>
+              </a:solidFill>
+              <a:latin typeface="黑体"/>
+              <a:ea typeface="黑体"/>
+              <a:cs typeface="黑体"/>
+            </a:endParaRPr>
+          </a:p>
+          <a:p>
+            <a:r>
+              <a:rPr kumimoji="1" lang="zh-CN" altLang="zh-CN" sz="1100" dirty="0" smtClean="0">
+                <a:latin typeface="黑体"/>
+                <a:ea typeface="黑体"/>
+                <a:cs typeface="黑体"/>
+              </a:rPr>
+              <a:t>1</a:t>
+            </a:r>
+            <a:r>
+              <a:rPr kumimoji="1" lang="en-US" altLang="zh-CN" sz="1100" dirty="0" smtClean="0">
+                <a:latin typeface="黑体"/>
+                <a:ea typeface="黑体"/>
+                <a:cs typeface="黑体"/>
+              </a:rPr>
+              <a:t>9:30-22:00</a:t>
             </a:r>
             <a:endParaRPr kumimoji="1" lang="zh-CN" altLang="en-US" sz="1100" dirty="0">
               <a:latin typeface="黑体"/>
@@ -10996,6 +11380,358 @@
           </a:graphicData>
         </a:graphic>
       </p:graphicFrame>
+      <p:sp>
+        <p:nvSpPr>
+          <p:cNvPr id="4" name="矩形 3"/>
+          <p:cNvSpPr/>
+          <p:nvPr/>
+        </p:nvSpPr>
+        <p:spPr>
+          <a:xfrm>
+            <a:off x="5874296" y="1647744"/>
+            <a:ext cx="1153038" cy="431999"/>
+          </a:xfrm>
+          <a:prstGeom prst="rect">
+            <a:avLst/>
+          </a:prstGeom>
+          <a:solidFill>
+            <a:schemeClr val="accent3">
+              <a:lumMod val="60000"/>
+              <a:lumOff val="40000"/>
+            </a:schemeClr>
+          </a:solidFill>
+          <a:ln>
+            <a:noFill/>
+          </a:ln>
+          <a:effectLst/>
+        </p:spPr>
+        <p:style>
+          <a:lnRef idx="1">
+            <a:schemeClr val="accent1"/>
+          </a:lnRef>
+          <a:fillRef idx="3">
+            <a:schemeClr val="accent1"/>
+          </a:fillRef>
+          <a:effectRef idx="2">
+            <a:schemeClr val="accent1"/>
+          </a:effectRef>
+          <a:fontRef idx="minor">
+            <a:schemeClr val="lt1"/>
+          </a:fontRef>
+        </p:style>
+        <p:txBody>
+          <a:bodyPr lIns="36000" tIns="0" rIns="36000" bIns="0" rtlCol="0" anchor="ctr"/>
+          <a:lstStyle/>
+          <a:p>
+            <a:r>
+              <a:rPr kumimoji="1" lang="zh-CN" altLang="en-US" sz="1100" dirty="0" smtClean="0">
+                <a:solidFill>
+                  <a:srgbClr val="000000"/>
+                </a:solidFill>
+                <a:latin typeface="黑体"/>
+                <a:ea typeface="黑体"/>
+                <a:cs typeface="黑体"/>
+              </a:rPr>
+              <a:t>创客社团活动</a:t>
+            </a:r>
+            <a:endParaRPr kumimoji="1" lang="en-US" altLang="zh-CN" sz="1100" dirty="0" smtClean="0">
+              <a:solidFill>
+                <a:srgbClr val="000000"/>
+              </a:solidFill>
+              <a:latin typeface="黑体"/>
+              <a:ea typeface="黑体"/>
+              <a:cs typeface="黑体"/>
+            </a:endParaRPr>
+          </a:p>
+          <a:p>
+            <a:r>
+              <a:rPr kumimoji="1" lang="zh-CN" altLang="zh-CN" sz="1100" dirty="0" smtClean="0">
+                <a:latin typeface="黑体"/>
+                <a:ea typeface="黑体"/>
+                <a:cs typeface="黑体"/>
+              </a:rPr>
+              <a:t>1</a:t>
+            </a:r>
+            <a:r>
+              <a:rPr kumimoji="1" lang="en-US" altLang="zh-CN" sz="1100" dirty="0" smtClean="0">
+                <a:latin typeface="黑体"/>
+                <a:ea typeface="黑体"/>
+                <a:cs typeface="黑体"/>
+              </a:rPr>
+              <a:t>9:30-22:00</a:t>
+            </a:r>
+            <a:endParaRPr kumimoji="1" lang="zh-CN" altLang="en-US" sz="1100" dirty="0">
+              <a:latin typeface="黑体"/>
+              <a:ea typeface="黑体"/>
+              <a:cs typeface="黑体"/>
+            </a:endParaRPr>
+          </a:p>
+        </p:txBody>
+      </p:sp>
+      <p:sp>
+        <p:nvSpPr>
+          <p:cNvPr id="5" name="矩形 4"/>
+          <p:cNvSpPr/>
+          <p:nvPr/>
+        </p:nvSpPr>
+        <p:spPr>
+          <a:xfrm>
+            <a:off x="5874296" y="3184770"/>
+            <a:ext cx="1153038" cy="431999"/>
+          </a:xfrm>
+          <a:prstGeom prst="rect">
+            <a:avLst/>
+          </a:prstGeom>
+          <a:solidFill>
+            <a:schemeClr val="accent3">
+              <a:lumMod val="60000"/>
+              <a:lumOff val="40000"/>
+            </a:schemeClr>
+          </a:solidFill>
+          <a:ln>
+            <a:noFill/>
+          </a:ln>
+          <a:effectLst/>
+        </p:spPr>
+        <p:style>
+          <a:lnRef idx="1">
+            <a:schemeClr val="accent1"/>
+          </a:lnRef>
+          <a:fillRef idx="3">
+            <a:schemeClr val="accent1"/>
+          </a:fillRef>
+          <a:effectRef idx="2">
+            <a:schemeClr val="accent1"/>
+          </a:effectRef>
+          <a:fontRef idx="minor">
+            <a:schemeClr val="lt1"/>
+          </a:fontRef>
+        </p:style>
+        <p:txBody>
+          <a:bodyPr lIns="36000" tIns="0" rIns="36000" bIns="0" rtlCol="0" anchor="ctr"/>
+          <a:lstStyle/>
+          <a:p>
+            <a:r>
+              <a:rPr kumimoji="1" lang="zh-CN" altLang="en-US" sz="1100" dirty="0" smtClean="0">
+                <a:solidFill>
+                  <a:srgbClr val="000000"/>
+                </a:solidFill>
+                <a:latin typeface="黑体"/>
+                <a:ea typeface="黑体"/>
+                <a:cs typeface="黑体"/>
+              </a:rPr>
+              <a:t>创客社团活动</a:t>
+            </a:r>
+            <a:endParaRPr kumimoji="1" lang="en-US" altLang="zh-CN" sz="1100" dirty="0" smtClean="0">
+              <a:solidFill>
+                <a:srgbClr val="000000"/>
+              </a:solidFill>
+              <a:latin typeface="黑体"/>
+              <a:ea typeface="黑体"/>
+              <a:cs typeface="黑体"/>
+            </a:endParaRPr>
+          </a:p>
+          <a:p>
+            <a:r>
+              <a:rPr kumimoji="1" lang="zh-CN" altLang="zh-CN" sz="1100" dirty="0" smtClean="0">
+                <a:latin typeface="黑体"/>
+                <a:ea typeface="黑体"/>
+                <a:cs typeface="黑体"/>
+              </a:rPr>
+              <a:t>1</a:t>
+            </a:r>
+            <a:r>
+              <a:rPr kumimoji="1" lang="en-US" altLang="zh-CN" sz="1100" dirty="0" smtClean="0">
+                <a:latin typeface="黑体"/>
+                <a:ea typeface="黑体"/>
+                <a:cs typeface="黑体"/>
+              </a:rPr>
+              <a:t>9:30-22:00</a:t>
+            </a:r>
+            <a:endParaRPr kumimoji="1" lang="zh-CN" altLang="en-US" sz="1100" dirty="0">
+              <a:latin typeface="黑体"/>
+              <a:ea typeface="黑体"/>
+              <a:cs typeface="黑体"/>
+            </a:endParaRPr>
+          </a:p>
+        </p:txBody>
+      </p:sp>
+      <p:sp>
+        <p:nvSpPr>
+          <p:cNvPr id="6" name="矩形 5"/>
+          <p:cNvSpPr/>
+          <p:nvPr/>
+        </p:nvSpPr>
+        <p:spPr>
+          <a:xfrm>
+            <a:off x="5874296" y="4702257"/>
+            <a:ext cx="1153038" cy="431999"/>
+          </a:xfrm>
+          <a:prstGeom prst="rect">
+            <a:avLst/>
+          </a:prstGeom>
+          <a:solidFill>
+            <a:schemeClr val="accent3">
+              <a:lumMod val="60000"/>
+              <a:lumOff val="40000"/>
+            </a:schemeClr>
+          </a:solidFill>
+          <a:ln>
+            <a:noFill/>
+          </a:ln>
+          <a:effectLst/>
+        </p:spPr>
+        <p:style>
+          <a:lnRef idx="1">
+            <a:schemeClr val="accent1"/>
+          </a:lnRef>
+          <a:fillRef idx="3">
+            <a:schemeClr val="accent1"/>
+          </a:fillRef>
+          <a:effectRef idx="2">
+            <a:schemeClr val="accent1"/>
+          </a:effectRef>
+          <a:fontRef idx="minor">
+            <a:schemeClr val="lt1"/>
+          </a:fontRef>
+        </p:style>
+        <p:txBody>
+          <a:bodyPr lIns="36000" tIns="0" rIns="36000" bIns="0" rtlCol="0" anchor="ctr"/>
+          <a:lstStyle/>
+          <a:p>
+            <a:r>
+              <a:rPr kumimoji="1" lang="zh-CN" altLang="en-US" sz="1100" dirty="0" smtClean="0">
+                <a:solidFill>
+                  <a:srgbClr val="000000"/>
+                </a:solidFill>
+                <a:latin typeface="黑体"/>
+                <a:ea typeface="黑体"/>
+                <a:cs typeface="黑体"/>
+              </a:rPr>
+              <a:t>创客社团活动</a:t>
+            </a:r>
+            <a:endParaRPr kumimoji="1" lang="en-US" altLang="zh-CN" sz="1100" dirty="0" smtClean="0">
+              <a:solidFill>
+                <a:srgbClr val="000000"/>
+              </a:solidFill>
+              <a:latin typeface="黑体"/>
+              <a:ea typeface="黑体"/>
+              <a:cs typeface="黑体"/>
+            </a:endParaRPr>
+          </a:p>
+          <a:p>
+            <a:r>
+              <a:rPr kumimoji="1" lang="zh-CN" altLang="zh-CN" sz="1100" dirty="0" smtClean="0">
+                <a:latin typeface="黑体"/>
+                <a:ea typeface="黑体"/>
+                <a:cs typeface="黑体"/>
+              </a:rPr>
+              <a:t>1</a:t>
+            </a:r>
+            <a:r>
+              <a:rPr kumimoji="1" lang="en-US" altLang="zh-CN" sz="1100" dirty="0" smtClean="0">
+                <a:latin typeface="黑体"/>
+                <a:ea typeface="黑体"/>
+                <a:cs typeface="黑体"/>
+              </a:rPr>
+              <a:t>9:30-22:00</a:t>
+            </a:r>
+            <a:endParaRPr kumimoji="1" lang="zh-CN" altLang="en-US" sz="1100" dirty="0">
+              <a:latin typeface="黑体"/>
+              <a:ea typeface="黑体"/>
+              <a:cs typeface="黑体"/>
+            </a:endParaRPr>
+          </a:p>
+        </p:txBody>
+      </p:sp>
+      <p:sp>
+        <p:nvSpPr>
+          <p:cNvPr id="7" name="矩形 6"/>
+          <p:cNvSpPr/>
+          <p:nvPr/>
+        </p:nvSpPr>
+        <p:spPr>
+          <a:xfrm>
+            <a:off x="5874296" y="6232770"/>
+            <a:ext cx="1153038" cy="431999"/>
+          </a:xfrm>
+          <a:prstGeom prst="rect">
+            <a:avLst/>
+          </a:prstGeom>
+          <a:solidFill>
+            <a:schemeClr val="accent3">
+              <a:lumMod val="60000"/>
+              <a:lumOff val="40000"/>
+            </a:schemeClr>
+          </a:solidFill>
+          <a:ln>
+            <a:noFill/>
+          </a:ln>
+          <a:effectLst/>
+        </p:spPr>
+        <p:style>
+          <a:lnRef idx="1">
+            <a:schemeClr val="accent1"/>
+          </a:lnRef>
+          <a:fillRef idx="3">
+            <a:schemeClr val="accent1"/>
+          </a:fillRef>
+          <a:effectRef idx="2">
+            <a:schemeClr val="accent1"/>
+          </a:effectRef>
+          <a:fontRef idx="minor">
+            <a:schemeClr val="lt1"/>
+          </a:fontRef>
+        </p:style>
+        <p:txBody>
+          <a:bodyPr lIns="36000" tIns="0" rIns="36000" bIns="0" rtlCol="0" anchor="ctr"/>
+          <a:lstStyle/>
+          <a:p>
+            <a:r>
+              <a:rPr kumimoji="1" lang="zh-CN" altLang="en-US" sz="1100" dirty="0" smtClean="0">
+                <a:solidFill>
+                  <a:srgbClr val="000000"/>
+                </a:solidFill>
+                <a:latin typeface="黑体"/>
+                <a:ea typeface="黑体"/>
+                <a:cs typeface="黑体"/>
+              </a:rPr>
+              <a:t>创客社团活动</a:t>
+            </a:r>
+            <a:endParaRPr kumimoji="1" lang="en-US" altLang="zh-CN" sz="1100" dirty="0" smtClean="0">
+              <a:solidFill>
+                <a:srgbClr val="000000"/>
+              </a:solidFill>
+              <a:latin typeface="黑体"/>
+              <a:ea typeface="黑体"/>
+              <a:cs typeface="黑体"/>
+            </a:endParaRPr>
+          </a:p>
+          <a:p>
+            <a:r>
+              <a:rPr kumimoji="1" lang="zh-CN" altLang="zh-CN" sz="1100" dirty="0" smtClean="0">
+                <a:latin typeface="黑体"/>
+                <a:ea typeface="黑体"/>
+                <a:cs typeface="黑体"/>
+              </a:rPr>
+              <a:t>1</a:t>
+            </a:r>
+            <a:r>
+              <a:rPr kumimoji="1" lang="en-US" altLang="zh-CN" sz="1100" dirty="0" smtClean="0">
+                <a:latin typeface="黑体"/>
+                <a:ea typeface="黑体"/>
+                <a:cs typeface="黑体"/>
+              </a:rPr>
+              <a:t>9:30-22:00</a:t>
+            </a:r>
+            <a:endParaRPr kumimoji="1" lang="zh-CN" altLang="en-US" sz="1100" dirty="0">
+              <a:latin typeface="黑体"/>
+              <a:ea typeface="黑体"/>
+              <a:cs typeface="黑体"/>
+            </a:endParaRPr>
+          </a:p>
+        </p:txBody>
+      </p:sp>
     </p:spTree>
     <p:extLst>
       <p:ext uri="{BB962C8B-B14F-4D97-AF65-F5344CB8AC3E}">

--- a/训练中心创客交叉融合空间建设/admin/新大楼规划建设/创客空间使用月历.pptx
+++ b/训练中心创客交叉融合空间建设/admin/新大楼规划建设/创客空间使用月历.pptx
@@ -291,7 +291,7 @@
           <a:p>
             <a:fld id="{A7167D46-3981-0F44-9F0E-49C482B3F62D}" type="datetimeFigureOut">
               <a:rPr kumimoji="1" lang="zh-CN" altLang="en-US" smtClean="0"/>
-              <a:t>15/9/29</a:t>
+              <a:t>15/10/10</a:t>
             </a:fld>
             <a:endParaRPr kumimoji="1" lang="zh-CN" altLang="en-US"/>
           </a:p>
@@ -461,7 +461,7 @@
           <a:p>
             <a:fld id="{A7167D46-3981-0F44-9F0E-49C482B3F62D}" type="datetimeFigureOut">
               <a:rPr kumimoji="1" lang="zh-CN" altLang="en-US" smtClean="0"/>
-              <a:t>15/9/29</a:t>
+              <a:t>15/10/10</a:t>
             </a:fld>
             <a:endParaRPr kumimoji="1" lang="zh-CN" altLang="en-US"/>
           </a:p>
@@ -641,7 +641,7 @@
           <a:p>
             <a:fld id="{A7167D46-3981-0F44-9F0E-49C482B3F62D}" type="datetimeFigureOut">
               <a:rPr kumimoji="1" lang="zh-CN" altLang="en-US" smtClean="0"/>
-              <a:t>15/9/29</a:t>
+              <a:t>15/10/10</a:t>
             </a:fld>
             <a:endParaRPr kumimoji="1" lang="zh-CN" altLang="en-US"/>
           </a:p>
@@ -811,7 +811,7 @@
           <a:p>
             <a:fld id="{A7167D46-3981-0F44-9F0E-49C482B3F62D}" type="datetimeFigureOut">
               <a:rPr kumimoji="1" lang="zh-CN" altLang="en-US" smtClean="0"/>
-              <a:t>15/9/29</a:t>
+              <a:t>15/10/10</a:t>
             </a:fld>
             <a:endParaRPr kumimoji="1" lang="zh-CN" altLang="en-US"/>
           </a:p>
@@ -1057,7 +1057,7 @@
           <a:p>
             <a:fld id="{A7167D46-3981-0F44-9F0E-49C482B3F62D}" type="datetimeFigureOut">
               <a:rPr kumimoji="1" lang="zh-CN" altLang="en-US" smtClean="0"/>
-              <a:t>15/9/29</a:t>
+              <a:t>15/10/10</a:t>
             </a:fld>
             <a:endParaRPr kumimoji="1" lang="zh-CN" altLang="en-US"/>
           </a:p>
@@ -1345,7 +1345,7 @@
           <a:p>
             <a:fld id="{A7167D46-3981-0F44-9F0E-49C482B3F62D}" type="datetimeFigureOut">
               <a:rPr kumimoji="1" lang="zh-CN" altLang="en-US" smtClean="0"/>
-              <a:t>15/9/29</a:t>
+              <a:t>15/10/10</a:t>
             </a:fld>
             <a:endParaRPr kumimoji="1" lang="zh-CN" altLang="en-US"/>
           </a:p>
@@ -1767,7 +1767,7 @@
           <a:p>
             <a:fld id="{A7167D46-3981-0F44-9F0E-49C482B3F62D}" type="datetimeFigureOut">
               <a:rPr kumimoji="1" lang="zh-CN" altLang="en-US" smtClean="0"/>
-              <a:t>15/9/29</a:t>
+              <a:t>15/10/10</a:t>
             </a:fld>
             <a:endParaRPr kumimoji="1" lang="zh-CN" altLang="en-US"/>
           </a:p>
@@ -1885,7 +1885,7 @@
           <a:p>
             <a:fld id="{A7167D46-3981-0F44-9F0E-49C482B3F62D}" type="datetimeFigureOut">
               <a:rPr kumimoji="1" lang="zh-CN" altLang="en-US" smtClean="0"/>
-              <a:t>15/9/29</a:t>
+              <a:t>15/10/10</a:t>
             </a:fld>
             <a:endParaRPr kumimoji="1" lang="zh-CN" altLang="en-US"/>
           </a:p>
@@ -1980,7 +1980,7 @@
           <a:p>
             <a:fld id="{A7167D46-3981-0F44-9F0E-49C482B3F62D}" type="datetimeFigureOut">
               <a:rPr kumimoji="1" lang="zh-CN" altLang="en-US" smtClean="0"/>
-              <a:t>15/9/29</a:t>
+              <a:t>15/10/10</a:t>
             </a:fld>
             <a:endParaRPr kumimoji="1" lang="zh-CN" altLang="en-US"/>
           </a:p>
@@ -2257,7 +2257,7 @@
           <a:p>
             <a:fld id="{A7167D46-3981-0F44-9F0E-49C482B3F62D}" type="datetimeFigureOut">
               <a:rPr kumimoji="1" lang="zh-CN" altLang="en-US" smtClean="0"/>
-              <a:t>15/9/29</a:t>
+              <a:t>15/10/10</a:t>
             </a:fld>
             <a:endParaRPr kumimoji="1" lang="zh-CN" altLang="en-US"/>
           </a:p>
@@ -2510,7 +2510,7 @@
           <a:p>
             <a:fld id="{A7167D46-3981-0F44-9F0E-49C482B3F62D}" type="datetimeFigureOut">
               <a:rPr kumimoji="1" lang="zh-CN" altLang="en-US" smtClean="0"/>
-              <a:t>15/9/29</a:t>
+              <a:t>15/10/10</a:t>
             </a:fld>
             <a:endParaRPr kumimoji="1" lang="zh-CN" altLang="en-US"/>
           </a:p>
@@ -2723,7 +2723,7 @@
           <a:p>
             <a:fld id="{A7167D46-3981-0F44-9F0E-49C482B3F62D}" type="datetimeFigureOut">
               <a:rPr kumimoji="1" lang="zh-CN" altLang="en-US" smtClean="0"/>
-              <a:t>15/9/29</a:t>
+              <a:t>15/10/10</a:t>
             </a:fld>
             <a:endParaRPr kumimoji="1" lang="zh-CN" altLang="en-US"/>
           </a:p>
@@ -7032,7 +7032,7 @@
             <a:avLst/>
           </a:prstGeom>
           <a:solidFill>
-            <a:schemeClr val="accent6">
+            <a:schemeClr val="accent4">
               <a:lumMod val="60000"/>
               <a:lumOff val="40000"/>
             </a:schemeClr>
@@ -7131,7 +7131,7 @@
             <a:avLst/>
           </a:prstGeom>
           <a:solidFill>
-            <a:schemeClr val="accent3">
+            <a:schemeClr val="accent6">
               <a:lumMod val="60000"/>
               <a:lumOff val="40000"/>
             </a:schemeClr>
@@ -7219,7 +7219,7 @@
             <a:avLst/>
           </a:prstGeom>
           <a:solidFill>
-            <a:schemeClr val="accent3">
+            <a:schemeClr val="accent6">
               <a:lumMod val="60000"/>
               <a:lumOff val="40000"/>
             </a:schemeClr>
@@ -7307,7 +7307,7 @@
             <a:avLst/>
           </a:prstGeom>
           <a:solidFill>
-            <a:schemeClr val="accent3">
+            <a:schemeClr val="accent6">
               <a:lumMod val="60000"/>
               <a:lumOff val="40000"/>
             </a:schemeClr>
@@ -7395,7 +7395,7 @@
             <a:avLst/>
           </a:prstGeom>
           <a:solidFill>
-            <a:schemeClr val="accent3">
+            <a:schemeClr val="accent6">
               <a:lumMod val="60000"/>
               <a:lumOff val="40000"/>
             </a:schemeClr>
@@ -7459,6 +7459,254 @@
                 <a:cs typeface="黑体"/>
               </a:rPr>
               <a:t>9:30-22:00</a:t>
+            </a:r>
+            <a:endParaRPr kumimoji="1" lang="zh-CN" altLang="en-US" sz="1100" dirty="0">
+              <a:latin typeface="黑体"/>
+              <a:ea typeface="黑体"/>
+              <a:cs typeface="黑体"/>
+            </a:endParaRPr>
+          </a:p>
+        </p:txBody>
+      </p:sp>
+      <p:sp>
+        <p:nvSpPr>
+          <p:cNvPr id="10" name="矩形 9"/>
+          <p:cNvSpPr/>
+          <p:nvPr/>
+        </p:nvSpPr>
+        <p:spPr>
+          <a:xfrm>
+            <a:off x="7163834" y="1146257"/>
+            <a:ext cx="1153038" cy="431999"/>
+          </a:xfrm>
+          <a:prstGeom prst="rect">
+            <a:avLst/>
+          </a:prstGeom>
+          <a:solidFill>
+            <a:schemeClr val="accent3">
+              <a:lumMod val="60000"/>
+              <a:lumOff val="40000"/>
+            </a:schemeClr>
+          </a:solidFill>
+          <a:ln>
+            <a:noFill/>
+          </a:ln>
+          <a:effectLst/>
+        </p:spPr>
+        <p:style>
+          <a:lnRef idx="1">
+            <a:schemeClr val="accent1"/>
+          </a:lnRef>
+          <a:fillRef idx="3">
+            <a:schemeClr val="accent1"/>
+          </a:fillRef>
+          <a:effectRef idx="2">
+            <a:schemeClr val="accent1"/>
+          </a:effectRef>
+          <a:fontRef idx="minor">
+            <a:schemeClr val="lt1"/>
+          </a:fontRef>
+        </p:style>
+        <p:txBody>
+          <a:bodyPr lIns="36000" tIns="0" rIns="36000" bIns="0" rtlCol="0" anchor="ctr"/>
+          <a:lstStyle/>
+          <a:p>
+            <a:r>
+              <a:rPr kumimoji="1" lang="zh-CN" altLang="en-US" sz="1100" dirty="0" smtClean="0">
+                <a:solidFill>
+                  <a:srgbClr val="000000"/>
+                </a:solidFill>
+                <a:latin typeface="黑体"/>
+                <a:ea typeface="黑体"/>
+                <a:cs typeface="黑体"/>
+              </a:rPr>
+              <a:t>微创造</a:t>
+            </a:r>
+            <a:endParaRPr kumimoji="1" lang="en-US" altLang="zh-CN" sz="1100" dirty="0" smtClean="0">
+              <a:solidFill>
+                <a:srgbClr val="000000"/>
+              </a:solidFill>
+              <a:latin typeface="黑体"/>
+              <a:ea typeface="黑体"/>
+              <a:cs typeface="黑体"/>
+            </a:endParaRPr>
+          </a:p>
+          <a:p>
+            <a:r>
+              <a:rPr kumimoji="1" lang="zh-CN" altLang="zh-CN" sz="1100" dirty="0" smtClean="0">
+                <a:latin typeface="黑体"/>
+                <a:ea typeface="黑体"/>
+                <a:cs typeface="黑体"/>
+              </a:rPr>
+              <a:t>1</a:t>
+            </a:r>
+            <a:r>
+              <a:rPr kumimoji="1" lang="en-US" altLang="zh-CN" sz="1100" dirty="0" smtClean="0">
+                <a:latin typeface="黑体"/>
+                <a:ea typeface="黑体"/>
+                <a:cs typeface="黑体"/>
+              </a:rPr>
+              <a:t>5</a:t>
+            </a:r>
+            <a:r>
+              <a:rPr kumimoji="1" lang="en-US" altLang="zh-CN" sz="1100" dirty="0" smtClean="0">
+                <a:latin typeface="黑体"/>
+                <a:ea typeface="黑体"/>
+                <a:cs typeface="黑体"/>
+              </a:rPr>
+              <a:t>:</a:t>
+            </a:r>
+            <a:r>
+              <a:rPr kumimoji="1" lang="zh-CN" altLang="zh-CN" sz="1100" dirty="0">
+                <a:latin typeface="黑体"/>
+                <a:ea typeface="黑体"/>
+                <a:cs typeface="黑体"/>
+              </a:rPr>
+              <a:t>0</a:t>
+            </a:r>
+            <a:r>
+              <a:rPr kumimoji="1" lang="en-US" altLang="zh-CN" sz="1100" dirty="0" smtClean="0">
+                <a:latin typeface="黑体"/>
+                <a:ea typeface="黑体"/>
+                <a:cs typeface="黑体"/>
+              </a:rPr>
+              <a:t>0-</a:t>
+            </a:r>
+            <a:r>
+              <a:rPr kumimoji="1" lang="en-US" altLang="zh-CN" sz="1100" dirty="0" smtClean="0">
+                <a:latin typeface="黑体"/>
+                <a:ea typeface="黑体"/>
+                <a:cs typeface="黑体"/>
+              </a:rPr>
+              <a:t>17</a:t>
+            </a:r>
+            <a:r>
+              <a:rPr kumimoji="1" lang="en-US" altLang="zh-CN" sz="1100" dirty="0" smtClean="0">
+                <a:latin typeface="黑体"/>
+                <a:ea typeface="黑体"/>
+                <a:cs typeface="黑体"/>
+              </a:rPr>
+              <a:t>:00</a:t>
+            </a:r>
+            <a:endParaRPr kumimoji="1" lang="zh-CN" altLang="en-US" sz="1100" dirty="0">
+              <a:latin typeface="黑体"/>
+              <a:ea typeface="黑体"/>
+              <a:cs typeface="黑体"/>
+            </a:endParaRPr>
+          </a:p>
+        </p:txBody>
+      </p:sp>
+      <p:sp>
+        <p:nvSpPr>
+          <p:cNvPr id="11" name="矩形 10"/>
+          <p:cNvSpPr/>
+          <p:nvPr/>
+        </p:nvSpPr>
+        <p:spPr>
+          <a:xfrm>
+            <a:off x="8603435" y="644770"/>
+            <a:ext cx="989949" cy="431999"/>
+          </a:xfrm>
+          <a:prstGeom prst="rect">
+            <a:avLst/>
+          </a:prstGeom>
+          <a:solidFill>
+            <a:schemeClr val="accent5">
+              <a:lumMod val="60000"/>
+              <a:lumOff val="40000"/>
+            </a:schemeClr>
+          </a:solidFill>
+          <a:ln>
+            <a:noFill/>
+          </a:ln>
+          <a:effectLst/>
+        </p:spPr>
+        <p:style>
+          <a:lnRef idx="1">
+            <a:schemeClr val="accent1"/>
+          </a:lnRef>
+          <a:fillRef idx="3">
+            <a:schemeClr val="accent1"/>
+          </a:fillRef>
+          <a:effectRef idx="2">
+            <a:schemeClr val="accent1"/>
+          </a:effectRef>
+          <a:fontRef idx="minor">
+            <a:schemeClr val="lt1"/>
+          </a:fontRef>
+        </p:style>
+        <p:txBody>
+          <a:bodyPr lIns="36000" tIns="0" rIns="36000" bIns="0" rtlCol="0" anchor="ctr"/>
+          <a:lstStyle/>
+          <a:p>
+            <a:r>
+              <a:rPr kumimoji="1" lang="zh-CN" altLang="en-US" sz="1100" dirty="0" smtClean="0">
+                <a:solidFill>
+                  <a:srgbClr val="000000"/>
+                </a:solidFill>
+                <a:latin typeface="黑体"/>
+                <a:ea typeface="黑体"/>
+                <a:cs typeface="黑体"/>
+              </a:rPr>
+              <a:t>校园极客社</a:t>
+            </a:r>
+            <a:endParaRPr kumimoji="1" lang="en-US" altLang="zh-CN" sz="1100" dirty="0" smtClean="0">
+              <a:solidFill>
+                <a:srgbClr val="000000"/>
+              </a:solidFill>
+              <a:latin typeface="黑体"/>
+              <a:ea typeface="黑体"/>
+              <a:cs typeface="黑体"/>
+            </a:endParaRPr>
+          </a:p>
+          <a:p>
+            <a:r>
+              <a:rPr kumimoji="1" lang="zh-CN" altLang="zh-CN" sz="1100" dirty="0">
+                <a:latin typeface="黑体"/>
+                <a:ea typeface="黑体"/>
+                <a:cs typeface="黑体"/>
+              </a:rPr>
+              <a:t>9</a:t>
+            </a:r>
+            <a:r>
+              <a:rPr kumimoji="1" lang="en-US" altLang="zh-CN" sz="1100" dirty="0" smtClean="0">
+                <a:latin typeface="黑体"/>
+                <a:ea typeface="黑体"/>
+                <a:cs typeface="黑体"/>
+              </a:rPr>
+              <a:t>:</a:t>
+            </a:r>
+            <a:r>
+              <a:rPr kumimoji="1" lang="zh-CN" altLang="zh-CN" sz="1100" dirty="0">
+                <a:latin typeface="黑体"/>
+                <a:ea typeface="黑体"/>
+                <a:cs typeface="黑体"/>
+              </a:rPr>
+              <a:t>0</a:t>
+            </a:r>
+            <a:r>
+              <a:rPr kumimoji="1" lang="en-US" altLang="zh-CN" sz="1100" dirty="0" smtClean="0">
+                <a:latin typeface="黑体"/>
+                <a:ea typeface="黑体"/>
+                <a:cs typeface="黑体"/>
+              </a:rPr>
+              <a:t>0-</a:t>
+            </a:r>
+            <a:r>
+              <a:rPr kumimoji="1" lang="en-US" altLang="zh-CN" sz="1100" dirty="0" smtClean="0">
+                <a:latin typeface="黑体"/>
+                <a:ea typeface="黑体"/>
+                <a:cs typeface="黑体"/>
+              </a:rPr>
+              <a:t>11</a:t>
+            </a:r>
+            <a:r>
+              <a:rPr kumimoji="1" lang="en-US" altLang="zh-CN" sz="1100" dirty="0" smtClean="0">
+                <a:latin typeface="黑体"/>
+                <a:ea typeface="黑体"/>
+                <a:cs typeface="黑体"/>
+              </a:rPr>
+              <a:t>:00</a:t>
             </a:r>
             <a:endParaRPr kumimoji="1" lang="zh-CN" altLang="en-US" sz="1100" dirty="0">
               <a:latin typeface="黑体"/>
@@ -11395,7 +11643,7 @@
             <a:avLst/>
           </a:prstGeom>
           <a:solidFill>
-            <a:schemeClr val="accent3">
+            <a:schemeClr val="accent6">
               <a:lumMod val="60000"/>
               <a:lumOff val="40000"/>
             </a:schemeClr>
@@ -11483,7 +11731,7 @@
             <a:avLst/>
           </a:prstGeom>
           <a:solidFill>
-            <a:schemeClr val="accent3">
+            <a:schemeClr val="accent6">
               <a:lumMod val="60000"/>
               <a:lumOff val="40000"/>
             </a:schemeClr>
@@ -11571,7 +11819,7 @@
             <a:avLst/>
           </a:prstGeom>
           <a:solidFill>
-            <a:schemeClr val="accent3">
+            <a:schemeClr val="accent6">
               <a:lumMod val="60000"/>
               <a:lumOff val="40000"/>
             </a:schemeClr>
@@ -11659,7 +11907,7 @@
             <a:avLst/>
           </a:prstGeom>
           <a:solidFill>
-            <a:schemeClr val="accent3">
+            <a:schemeClr val="accent6">
               <a:lumMod val="60000"/>
               <a:lumOff val="40000"/>
             </a:schemeClr>
